--- a/Vortrag/OrdnerStrukturCatkinWorkspace.pptx
+++ b/Vortrag/OrdnerStrukturCatkinWorkspace.pptx
@@ -104,6 +104,11 @@
       </a:defRPr>
     </a:lvl9pPr>
   </p:defaultTextStyle>
+  <p:extLst>
+    <p:ext uri="{EFAFB233-063F-42B5-8137-9DF3F51BA10A}">
+      <p15:sldGuideLst xmlns:p15="http://schemas.microsoft.com/office/powerpoint/2012/main"/>
+    </p:ext>
+  </p:extLst>
 </p:presentation>
 </file>
 
@@ -876,9 +881,30 @@
         <a:lstStyle/>
         <a:p>
           <a:r>
+            <a:rPr lang="de-DE" sz="1400" dirty="0" err="1"/>
+            <a:t>Turtlesim</a:t>
+          </a:r>
+          <a:r>
             <a:rPr lang="de-DE" sz="1400" dirty="0"/>
-            <a:t>Name des Workspace</a:t>
+            <a:t>_</a:t>
           </a:r>
+        </a:p>
+        <a:p>
+          <a:r>
+            <a:rPr lang="de-DE" sz="1400" dirty="0" err="1"/>
+            <a:t>gesture</a:t>
+          </a:r>
+          <a:r>
+            <a:rPr lang="de-DE" sz="1400" dirty="0"/>
+            <a:t>_</a:t>
+          </a:r>
+        </a:p>
+        <a:p>
+          <a:r>
+            <a:rPr lang="de-DE" sz="1400" dirty="0" err="1"/>
+            <a:t>control</a:t>
+          </a:r>
+          <a:endParaRPr lang="de-DE" sz="1400" dirty="0"/>
         </a:p>
       </dgm:t>
     </dgm:pt>
@@ -950,7 +976,7 @@
         <a:p>
           <a:r>
             <a:rPr lang="de-DE" sz="2400" dirty="0" err="1"/>
-            <a:t>build</a:t>
+            <a:t>include</a:t>
           </a:r>
           <a:endParaRPr lang="de-DE" sz="2400" dirty="0"/>
         </a:p>
@@ -968,80 +994,6 @@
       </dgm:t>
     </dgm:pt>
     <dgm:pt modelId="{7FEA7783-A552-4DD9-99E8-D95187DA5FF3}" type="sibTrans" cxnId="{09998877-1913-4D47-BE06-42693F99EA2B}">
-      <dgm:prSet/>
-      <dgm:spPr/>
-      <dgm:t>
-        <a:bodyPr/>
-        <a:lstStyle/>
-        <a:p>
-          <a:endParaRPr lang="de-DE"/>
-        </a:p>
-      </dgm:t>
-    </dgm:pt>
-    <dgm:pt modelId="{82F4BF0E-A8A3-4BFD-B36A-0BED8EC93B5C}">
-      <dgm:prSet phldrT="[Text]" custT="1"/>
-      <dgm:spPr/>
-      <dgm:t>
-        <a:bodyPr/>
-        <a:lstStyle/>
-        <a:p>
-          <a:r>
-            <a:rPr lang="de-DE" sz="2400" dirty="0" err="1"/>
-            <a:t>devel</a:t>
-          </a:r>
-          <a:endParaRPr lang="de-DE" sz="2400" dirty="0"/>
-        </a:p>
-      </dgm:t>
-    </dgm:pt>
-    <dgm:pt modelId="{B6A2E9B9-FBB4-439B-9444-79BF68E416C3}" type="parTrans" cxnId="{2DA7244E-7B41-4D62-A4C9-6C5478617445}">
-      <dgm:prSet/>
-      <dgm:spPr/>
-      <dgm:t>
-        <a:bodyPr/>
-        <a:lstStyle/>
-        <a:p>
-          <a:endParaRPr lang="de-DE"/>
-        </a:p>
-      </dgm:t>
-    </dgm:pt>
-    <dgm:pt modelId="{8861A931-D2A0-4A73-8E2B-3D78C9A6760C}" type="sibTrans" cxnId="{2DA7244E-7B41-4D62-A4C9-6C5478617445}">
-      <dgm:prSet/>
-      <dgm:spPr/>
-      <dgm:t>
-        <a:bodyPr/>
-        <a:lstStyle/>
-        <a:p>
-          <a:endParaRPr lang="de-DE"/>
-        </a:p>
-      </dgm:t>
-    </dgm:pt>
-    <dgm:pt modelId="{2D9E0DC7-C24F-490E-8AA8-F8E7C9B9BB73}">
-      <dgm:prSet phldrT="[Text]" custT="1"/>
-      <dgm:spPr/>
-      <dgm:t>
-        <a:bodyPr/>
-        <a:lstStyle/>
-        <a:p>
-          <a:r>
-            <a:rPr lang="de-DE" sz="2400" dirty="0" err="1"/>
-            <a:t>install</a:t>
-          </a:r>
-          <a:endParaRPr lang="de-DE" sz="2400" dirty="0"/>
-        </a:p>
-      </dgm:t>
-    </dgm:pt>
-    <dgm:pt modelId="{DA034B4D-03BE-4119-AB84-ED18CBCF9DED}" type="parTrans" cxnId="{48AF4669-8733-4B3B-AD4C-71865A2011F4}">
-      <dgm:prSet/>
-      <dgm:spPr/>
-      <dgm:t>
-        <a:bodyPr/>
-        <a:lstStyle/>
-        <a:p>
-          <a:endParaRPr lang="de-DE"/>
-        </a:p>
-      </dgm:t>
-    </dgm:pt>
-    <dgm:pt modelId="{E6118E27-F915-4138-A758-410A831ECC6C}" type="sibTrans" cxnId="{48AF4669-8733-4B3B-AD4C-71865A2011F4}">
       <dgm:prSet/>
       <dgm:spPr/>
       <dgm:t>
@@ -1097,7 +1049,7 @@
       </dgm:spPr>
     </dgm:pt>
     <dgm:pt modelId="{86553620-74B2-4F30-A787-032D58DC50AD}" type="pres">
-      <dgm:prSet presAssocID="{D408BE8B-3501-4875-B398-F801BF20AE5E}" presName="text" presStyleLbl="revTx" presStyleIdx="0" presStyleCnt="5" custLinFactNeighborX="-62284" custLinFactNeighborY="4008">
+      <dgm:prSet presAssocID="{D408BE8B-3501-4875-B398-F801BF20AE5E}" presName="text" presStyleLbl="revTx" presStyleIdx="0" presStyleCnt="3" custLinFactNeighborX="-52860" custLinFactNeighborY="5101">
         <dgm:presLayoutVars>
           <dgm:chPref val="3"/>
         </dgm:presLayoutVars>
@@ -1109,7 +1061,7 @@
       <dgm:spPr/>
     </dgm:pt>
     <dgm:pt modelId="{9870C234-56E8-4374-BB36-E7C61A1A906B}" type="pres">
-      <dgm:prSet presAssocID="{EC013696-A074-4EFC-AC5F-D87CCA7931A0}" presName="Name10" presStyleLbl="parChTrans1D2" presStyleIdx="0" presStyleCnt="4"/>
+      <dgm:prSet presAssocID="{EC013696-A074-4EFC-AC5F-D87CCA7931A0}" presName="Name10" presStyleLbl="parChTrans1D2" presStyleIdx="0" presStyleCnt="2"/>
       <dgm:spPr/>
     </dgm:pt>
     <dgm:pt modelId="{8EE79A69-CECD-471B-9DBE-257F8F8F2850}" type="pres">
@@ -1121,7 +1073,7 @@
       <dgm:spPr/>
     </dgm:pt>
     <dgm:pt modelId="{F7221FBD-0817-48D1-B861-E7C9B5CCBD99}" type="pres">
-      <dgm:prSet presAssocID="{BC8ADAC7-BB53-4718-BD39-1D6AC11E57FC}" presName="image2" presStyleLbl="node2" presStyleIdx="0" presStyleCnt="4" custLinFactX="100000" custLinFactNeighborX="120841" custLinFactNeighborY="17330"/>
+      <dgm:prSet presAssocID="{BC8ADAC7-BB53-4718-BD39-1D6AC11E57FC}" presName="image2" presStyleLbl="node2" presStyleIdx="0" presStyleCnt="2" custLinFactNeighborX="74719" custLinFactNeighborY="18723"/>
       <dgm:spPr>
         <a:prstGeom prst="rect">
           <a:avLst/>
@@ -1145,7 +1097,7 @@
       </dgm:spPr>
     </dgm:pt>
     <dgm:pt modelId="{5E0FB67E-2372-43EA-829F-122C36EA091D}" type="pres">
-      <dgm:prSet presAssocID="{BC8ADAC7-BB53-4718-BD39-1D6AC11E57FC}" presName="text2" presStyleLbl="revTx" presStyleIdx="1" presStyleCnt="5" custLinFactNeighborX="95783" custLinFactNeighborY="16116">
+      <dgm:prSet presAssocID="{BC8ADAC7-BB53-4718-BD39-1D6AC11E57FC}" presName="text2" presStyleLbl="revTx" presStyleIdx="1" presStyleCnt="3" custLinFactNeighborX="2928" custLinFactNeighborY="18074">
         <dgm:presLayoutVars>
           <dgm:chPref val="3"/>
         </dgm:presLayoutVars>
@@ -1157,7 +1109,7 @@
       <dgm:spPr/>
     </dgm:pt>
     <dgm:pt modelId="{F492C08E-6F55-48CE-8E8A-A59A7A90538D}" type="pres">
-      <dgm:prSet presAssocID="{DA018C40-0F55-462E-A220-DBFE1A91527C}" presName="Name10" presStyleLbl="parChTrans1D2" presStyleIdx="1" presStyleCnt="4"/>
+      <dgm:prSet presAssocID="{DA018C40-0F55-462E-A220-DBFE1A91527C}" presName="Name10" presStyleLbl="parChTrans1D2" presStyleIdx="1" presStyleCnt="2"/>
       <dgm:spPr/>
     </dgm:pt>
     <dgm:pt modelId="{7E185FD3-A70F-4838-B919-17748768941D}" type="pres">
@@ -1169,7 +1121,7 @@
       <dgm:spPr/>
     </dgm:pt>
     <dgm:pt modelId="{78A726ED-E62A-48BA-AC0A-088796F788D3}" type="pres">
-      <dgm:prSet presAssocID="{4963370A-AB52-4549-AAF4-6B7A6177E1A1}" presName="image2" presStyleLbl="node2" presStyleIdx="1" presStyleCnt="4" custLinFactNeighborX="73490" custLinFactNeighborY="17370"/>
+      <dgm:prSet presAssocID="{4963370A-AB52-4549-AAF4-6B7A6177E1A1}" presName="image2" presStyleLbl="node2" presStyleIdx="1" presStyleCnt="2" custLinFactNeighborX="-75894" custLinFactNeighborY="18675"/>
       <dgm:spPr>
         <a:prstGeom prst="rect">
           <a:avLst/>
@@ -1193,7 +1145,7 @@
       </dgm:spPr>
     </dgm:pt>
     <dgm:pt modelId="{995A8C21-027D-4D77-8D5D-7D5FB773F901}" type="pres">
-      <dgm:prSet presAssocID="{4963370A-AB52-4549-AAF4-6B7A6177E1A1}" presName="text2" presStyleLbl="revTx" presStyleIdx="2" presStyleCnt="5" custLinFactNeighborX="-12600" custLinFactNeighborY="16159">
+      <dgm:prSet presAssocID="{4963370A-AB52-4549-AAF4-6B7A6177E1A1}" presName="text2" presStyleLbl="revTx" presStyleIdx="2" presStyleCnt="3" custLinFactX="-9293" custLinFactNeighborX="-100000" custLinFactNeighborY="19420">
         <dgm:presLayoutVars>
           <dgm:chPref val="3"/>
         </dgm:presLayoutVars>
@@ -1204,118 +1156,16 @@
       <dgm:prSet presAssocID="{4963370A-AB52-4549-AAF4-6B7A6177E1A1}" presName="hierChild3" presStyleCnt="0"/>
       <dgm:spPr/>
     </dgm:pt>
-    <dgm:pt modelId="{02B284B2-D7D1-459E-B1C6-5896D7448009}" type="pres">
-      <dgm:prSet presAssocID="{B6A2E9B9-FBB4-439B-9444-79BF68E416C3}" presName="Name10" presStyleLbl="parChTrans1D2" presStyleIdx="2" presStyleCnt="4"/>
-      <dgm:spPr/>
-    </dgm:pt>
-    <dgm:pt modelId="{2D8A7C07-4DDA-493C-80CE-3D25060BFA89}" type="pres">
-      <dgm:prSet presAssocID="{82F4BF0E-A8A3-4BFD-B36A-0BED8EC93B5C}" presName="hierRoot2" presStyleCnt="0"/>
-      <dgm:spPr/>
-    </dgm:pt>
-    <dgm:pt modelId="{9FE81D65-32B2-42F1-89D5-704AA435D55B}" type="pres">
-      <dgm:prSet presAssocID="{82F4BF0E-A8A3-4BFD-B36A-0BED8EC93B5C}" presName="composite2" presStyleCnt="0"/>
-      <dgm:spPr/>
-    </dgm:pt>
-    <dgm:pt modelId="{59A53B9A-1D2B-4F57-A683-5695F6D757CA}" type="pres">
-      <dgm:prSet presAssocID="{82F4BF0E-A8A3-4BFD-B36A-0BED8EC93B5C}" presName="image2" presStyleLbl="node2" presStyleIdx="2" presStyleCnt="4" custLinFactNeighborX="52112" custLinFactNeighborY="17371"/>
-      <dgm:spPr>
-        <a:prstGeom prst="rect">
-          <a:avLst/>
-        </a:prstGeom>
-        <a:blipFill rotWithShape="1">
-          <a:blip xmlns:r="http://schemas.openxmlformats.org/officeDocument/2006/relationships" r:embed="rId1">
-            <a:extLst>
-              <a:ext uri="{28A0092B-C50C-407E-A947-70E740481C1C}">
-                <a14:useLocalDpi xmlns:a14="http://schemas.microsoft.com/office/drawing/2010/main" val="0"/>
-              </a:ext>
-              <a:ext uri="{837473B0-CC2E-450A-ABE3-18F120FF3D39}">
-                <a1611:picAttrSrcUrl xmlns:a1611="http://schemas.microsoft.com/office/drawing/2016/11/main" r:id="rId2"/>
-              </a:ext>
-            </a:extLst>
-          </a:blip>
-          <a:srcRect/>
-          <a:stretch>
-            <a:fillRect/>
-          </a:stretch>
-        </a:blipFill>
-      </dgm:spPr>
-    </dgm:pt>
-    <dgm:pt modelId="{F0D57797-9423-4466-9ECB-B18E1D2BB3F0}" type="pres">
-      <dgm:prSet presAssocID="{82F4BF0E-A8A3-4BFD-B36A-0BED8EC93B5C}" presName="text2" presStyleLbl="revTx" presStyleIdx="3" presStyleCnt="5" custLinFactNeighborX="-27343" custLinFactNeighborY="18747">
-        <dgm:presLayoutVars>
-          <dgm:chPref val="3"/>
-        </dgm:presLayoutVars>
-      </dgm:prSet>
-      <dgm:spPr/>
-    </dgm:pt>
-    <dgm:pt modelId="{698A605E-814B-4782-8C73-33885F042369}" type="pres">
-      <dgm:prSet presAssocID="{82F4BF0E-A8A3-4BFD-B36A-0BED8EC93B5C}" presName="hierChild3" presStyleCnt="0"/>
-      <dgm:spPr/>
-    </dgm:pt>
-    <dgm:pt modelId="{DA66BDD0-8AB0-4572-8677-089429C3234B}" type="pres">
-      <dgm:prSet presAssocID="{DA034B4D-03BE-4119-AB84-ED18CBCF9DED}" presName="Name10" presStyleLbl="parChTrans1D2" presStyleIdx="3" presStyleCnt="4"/>
-      <dgm:spPr/>
-    </dgm:pt>
-    <dgm:pt modelId="{6B742745-CBAE-459D-B460-38B4B225DA54}" type="pres">
-      <dgm:prSet presAssocID="{2D9E0DC7-C24F-490E-8AA8-F8E7C9B9BB73}" presName="hierRoot2" presStyleCnt="0"/>
-      <dgm:spPr/>
-    </dgm:pt>
-    <dgm:pt modelId="{53E5CA17-5995-41ED-A765-CA397C987B71}" type="pres">
-      <dgm:prSet presAssocID="{2D9E0DC7-C24F-490E-8AA8-F8E7C9B9BB73}" presName="composite2" presStyleCnt="0"/>
-      <dgm:spPr/>
-    </dgm:pt>
-    <dgm:pt modelId="{6F220F1A-0281-40CD-84B5-5485131C9951}" type="pres">
-      <dgm:prSet presAssocID="{2D9E0DC7-C24F-490E-8AA8-F8E7C9B9BB73}" presName="image2" presStyleLbl="node2" presStyleIdx="3" presStyleCnt="4" custLinFactX="-152091" custLinFactNeighborX="-200000" custLinFactNeighborY="17370"/>
-      <dgm:spPr>
-        <a:prstGeom prst="rect">
-          <a:avLst/>
-        </a:prstGeom>
-        <a:blipFill rotWithShape="1">
-          <a:blip xmlns:r="http://schemas.openxmlformats.org/officeDocument/2006/relationships" r:embed="rId1">
-            <a:extLst>
-              <a:ext uri="{28A0092B-C50C-407E-A947-70E740481C1C}">
-                <a14:useLocalDpi xmlns:a14="http://schemas.microsoft.com/office/drawing/2010/main" val="0"/>
-              </a:ext>
-              <a:ext uri="{837473B0-CC2E-450A-ABE3-18F120FF3D39}">
-                <a1611:picAttrSrcUrl xmlns:a1611="http://schemas.microsoft.com/office/drawing/2016/11/main" r:id="rId2"/>
-              </a:ext>
-            </a:extLst>
-          </a:blip>
-          <a:srcRect/>
-          <a:stretch>
-            <a:fillRect/>
-          </a:stretch>
-        </a:blipFill>
-      </dgm:spPr>
-    </dgm:pt>
-    <dgm:pt modelId="{70A3C126-9865-458E-BDC9-FC04DD9169C7}" type="pres">
-      <dgm:prSet presAssocID="{2D9E0DC7-C24F-490E-8AA8-F8E7C9B9BB73}" presName="text2" presStyleLbl="revTx" presStyleIdx="4" presStyleCnt="5" custLinFactX="-100000" custLinFactNeighborX="-198829" custLinFactNeighborY="17370">
-        <dgm:presLayoutVars>
-          <dgm:chPref val="3"/>
-        </dgm:presLayoutVars>
-      </dgm:prSet>
-      <dgm:spPr/>
-    </dgm:pt>
-    <dgm:pt modelId="{666DDAFF-A4F3-4070-BCF5-A10CF861D40A}" type="pres">
-      <dgm:prSet presAssocID="{2D9E0DC7-C24F-490E-8AA8-F8E7C9B9BB73}" presName="hierChild3" presStyleCnt="0"/>
-      <dgm:spPr/>
-    </dgm:pt>
   </dgm:ptLst>
   <dgm:cxnLst>
     <dgm:cxn modelId="{E9607906-DA9E-489B-B431-AA1DCAE4E018}" srcId="{D408BE8B-3501-4875-B398-F801BF20AE5E}" destId="{BC8ADAC7-BB53-4718-BD39-1D6AC11E57FC}" srcOrd="0" destOrd="0" parTransId="{EC013696-A074-4EFC-AC5F-D87CCA7931A0}" sibTransId="{7D51A7F1-F86F-431B-9774-8CD9311AEEC6}"/>
-    <dgm:cxn modelId="{D95FC82D-520C-4CE8-9053-77401C2C8C18}" type="presOf" srcId="{DA034B4D-03BE-4119-AB84-ED18CBCF9DED}" destId="{DA66BDD0-8AB0-4572-8677-089429C3234B}" srcOrd="0" destOrd="0" presId="urn:microsoft.com/office/officeart/2009/layout/CirclePictureHierarchy"/>
     <dgm:cxn modelId="{BD3EFA3D-CEF2-467B-9A60-CE59CC26F74F}" type="presOf" srcId="{4963370A-AB52-4549-AAF4-6B7A6177E1A1}" destId="{995A8C21-027D-4D77-8D5D-7D5FB773F901}" srcOrd="0" destOrd="0" presId="urn:microsoft.com/office/officeart/2009/layout/CirclePictureHierarchy"/>
-    <dgm:cxn modelId="{42982B40-3832-4A24-94A4-1D8F8FEAFEF6}" type="presOf" srcId="{B6A2E9B9-FBB4-439B-9444-79BF68E416C3}" destId="{02B284B2-D7D1-459E-B1C6-5896D7448009}" srcOrd="0" destOrd="0" presId="urn:microsoft.com/office/officeart/2009/layout/CirclePictureHierarchy"/>
-    <dgm:cxn modelId="{48AF4669-8733-4B3B-AD4C-71865A2011F4}" srcId="{D408BE8B-3501-4875-B398-F801BF20AE5E}" destId="{2D9E0DC7-C24F-490E-8AA8-F8E7C9B9BB73}" srcOrd="3" destOrd="0" parTransId="{DA034B4D-03BE-4119-AB84-ED18CBCF9DED}" sibTransId="{E6118E27-F915-4138-A758-410A831ECC6C}"/>
-    <dgm:cxn modelId="{2DA7244E-7B41-4D62-A4C9-6C5478617445}" srcId="{D408BE8B-3501-4875-B398-F801BF20AE5E}" destId="{82F4BF0E-A8A3-4BFD-B36A-0BED8EC93B5C}" srcOrd="2" destOrd="0" parTransId="{B6A2E9B9-FBB4-439B-9444-79BF68E416C3}" sibTransId="{8861A931-D2A0-4A73-8E2B-3D78C9A6760C}"/>
     <dgm:cxn modelId="{DAC7E770-CF05-4D2F-A323-BC94D0E127C0}" type="presOf" srcId="{9689FE3C-0EDC-4E98-9625-0F3B7C593934}" destId="{FD5F713D-4332-4356-8874-9332FBB636C2}" srcOrd="0" destOrd="0" presId="urn:microsoft.com/office/officeart/2009/layout/CirclePictureHierarchy"/>
     <dgm:cxn modelId="{A2F0B855-9522-4C3F-8BEE-F72F284D37A5}" srcId="{9689FE3C-0EDC-4E98-9625-0F3B7C593934}" destId="{D408BE8B-3501-4875-B398-F801BF20AE5E}" srcOrd="0" destOrd="0" parTransId="{ECF6F473-15D2-4555-9E50-F8A615C21011}" sibTransId="{D079E81B-DAC6-43B9-BEA7-4A9E18D139F6}"/>
     <dgm:cxn modelId="{09998877-1913-4D47-BE06-42693F99EA2B}" srcId="{D408BE8B-3501-4875-B398-F801BF20AE5E}" destId="{4963370A-AB52-4549-AAF4-6B7A6177E1A1}" srcOrd="1" destOrd="0" parTransId="{DA018C40-0F55-462E-A220-DBFE1A91527C}" sibTransId="{7FEA7783-A552-4DD9-99E8-D95187DA5FF3}"/>
-    <dgm:cxn modelId="{C4D6D2AA-F07F-414D-B966-E39C8F07C05F}" type="presOf" srcId="{2D9E0DC7-C24F-490E-8AA8-F8E7C9B9BB73}" destId="{70A3C126-9865-458E-BDC9-FC04DD9169C7}" srcOrd="0" destOrd="0" presId="urn:microsoft.com/office/officeart/2009/layout/CirclePictureHierarchy"/>
     <dgm:cxn modelId="{A2CCC5B5-EC06-4B8D-AF86-CCC76BD0A424}" type="presOf" srcId="{BC8ADAC7-BB53-4718-BD39-1D6AC11E57FC}" destId="{5E0FB67E-2372-43EA-829F-122C36EA091D}" srcOrd="0" destOrd="0" presId="urn:microsoft.com/office/officeart/2009/layout/CirclePictureHierarchy"/>
     <dgm:cxn modelId="{2E2CABD0-D40A-47C5-8E3C-A1B3B3482F15}" type="presOf" srcId="{EC013696-A074-4EFC-AC5F-D87CCA7931A0}" destId="{9870C234-56E8-4374-BB36-E7C61A1A906B}" srcOrd="0" destOrd="0" presId="urn:microsoft.com/office/officeart/2009/layout/CirclePictureHierarchy"/>
     <dgm:cxn modelId="{4E16B4D3-822F-4307-A022-CD687F8E2497}" type="presOf" srcId="{DA018C40-0F55-462E-A220-DBFE1A91527C}" destId="{F492C08E-6F55-48CE-8E8A-A59A7A90538D}" srcOrd="0" destOrd="0" presId="urn:microsoft.com/office/officeart/2009/layout/CirclePictureHierarchy"/>
-    <dgm:cxn modelId="{2ED93CD5-EACC-4CB1-8069-1411B4BBB786}" type="presOf" srcId="{82F4BF0E-A8A3-4BFD-B36A-0BED8EC93B5C}" destId="{F0D57797-9423-4466-9ECB-B18E1D2BB3F0}" srcOrd="0" destOrd="0" presId="urn:microsoft.com/office/officeart/2009/layout/CirclePictureHierarchy"/>
     <dgm:cxn modelId="{8E1447F4-F09C-4D66-ACF5-A296CB02D1B6}" type="presOf" srcId="{D408BE8B-3501-4875-B398-F801BF20AE5E}" destId="{86553620-74B2-4F30-A787-032D58DC50AD}" srcOrd="0" destOrd="0" presId="urn:microsoft.com/office/officeart/2009/layout/CirclePictureHierarchy"/>
     <dgm:cxn modelId="{D0C28CD2-9160-4619-95AD-16A704FC1765}" type="presParOf" srcId="{FD5F713D-4332-4356-8874-9332FBB636C2}" destId="{AC19D16E-7D1E-48E9-8FA4-343E83553596}" srcOrd="0" destOrd="0" presId="urn:microsoft.com/office/officeart/2009/layout/CirclePictureHierarchy"/>
     <dgm:cxn modelId="{857304A3-AAFD-4571-B738-3282A31985B2}" type="presParOf" srcId="{AC19D16E-7D1E-48E9-8FA4-343E83553596}" destId="{31001B16-270D-4619-83AD-932C2A82DAC4}" srcOrd="0" destOrd="0" presId="urn:microsoft.com/office/officeart/2009/layout/CirclePictureHierarchy"/>
@@ -1334,18 +1184,6 @@
     <dgm:cxn modelId="{D849E72C-5836-42A5-A737-D8162040E575}" type="presParOf" srcId="{4B5955D4-8A8B-4829-9930-C8789FFBE434}" destId="{78A726ED-E62A-48BA-AC0A-088796F788D3}" srcOrd="0" destOrd="0" presId="urn:microsoft.com/office/officeart/2009/layout/CirclePictureHierarchy"/>
     <dgm:cxn modelId="{A422C22E-06B2-4C2A-A889-1765856D8BBB}" type="presParOf" srcId="{4B5955D4-8A8B-4829-9930-C8789FFBE434}" destId="{995A8C21-027D-4D77-8D5D-7D5FB773F901}" srcOrd="1" destOrd="0" presId="urn:microsoft.com/office/officeart/2009/layout/CirclePictureHierarchy"/>
     <dgm:cxn modelId="{B20604F2-4B37-4CC2-B78F-798B1B683CBF}" type="presParOf" srcId="{7E185FD3-A70F-4838-B919-17748768941D}" destId="{E86829C5-0B3D-4012-8A24-A6484FE18A60}" srcOrd="1" destOrd="0" presId="urn:microsoft.com/office/officeart/2009/layout/CirclePictureHierarchy"/>
-    <dgm:cxn modelId="{355E8A47-6BCE-4B32-8506-43DDCF859448}" type="presParOf" srcId="{EC08D1C6-BCE5-45CA-B76C-646FD9F46F68}" destId="{02B284B2-D7D1-459E-B1C6-5896D7448009}" srcOrd="4" destOrd="0" presId="urn:microsoft.com/office/officeart/2009/layout/CirclePictureHierarchy"/>
-    <dgm:cxn modelId="{6F933BEF-EFFB-499F-A742-4EA661F8417A}" type="presParOf" srcId="{EC08D1C6-BCE5-45CA-B76C-646FD9F46F68}" destId="{2D8A7C07-4DDA-493C-80CE-3D25060BFA89}" srcOrd="5" destOrd="0" presId="urn:microsoft.com/office/officeart/2009/layout/CirclePictureHierarchy"/>
-    <dgm:cxn modelId="{75B14BFB-2B7A-4F81-BDA8-28468B81F2E6}" type="presParOf" srcId="{2D8A7C07-4DDA-493C-80CE-3D25060BFA89}" destId="{9FE81D65-32B2-42F1-89D5-704AA435D55B}" srcOrd="0" destOrd="0" presId="urn:microsoft.com/office/officeart/2009/layout/CirclePictureHierarchy"/>
-    <dgm:cxn modelId="{85CFB6BA-4FF8-4988-A5FE-71B33A50DD5D}" type="presParOf" srcId="{9FE81D65-32B2-42F1-89D5-704AA435D55B}" destId="{59A53B9A-1D2B-4F57-A683-5695F6D757CA}" srcOrd="0" destOrd="0" presId="urn:microsoft.com/office/officeart/2009/layout/CirclePictureHierarchy"/>
-    <dgm:cxn modelId="{3CBE179A-4769-4C3B-A189-18E366044E09}" type="presParOf" srcId="{9FE81D65-32B2-42F1-89D5-704AA435D55B}" destId="{F0D57797-9423-4466-9ECB-B18E1D2BB3F0}" srcOrd="1" destOrd="0" presId="urn:microsoft.com/office/officeart/2009/layout/CirclePictureHierarchy"/>
-    <dgm:cxn modelId="{93C85E60-E8B4-4AEE-889D-3140A007D91C}" type="presParOf" srcId="{2D8A7C07-4DDA-493C-80CE-3D25060BFA89}" destId="{698A605E-814B-4782-8C73-33885F042369}" srcOrd="1" destOrd="0" presId="urn:microsoft.com/office/officeart/2009/layout/CirclePictureHierarchy"/>
-    <dgm:cxn modelId="{365939B9-FE20-4ABA-8DEE-BB0D4995D83C}" type="presParOf" srcId="{EC08D1C6-BCE5-45CA-B76C-646FD9F46F68}" destId="{DA66BDD0-8AB0-4572-8677-089429C3234B}" srcOrd="6" destOrd="0" presId="urn:microsoft.com/office/officeart/2009/layout/CirclePictureHierarchy"/>
-    <dgm:cxn modelId="{211AEEE4-0143-4F56-A771-4CD548A52FF1}" type="presParOf" srcId="{EC08D1C6-BCE5-45CA-B76C-646FD9F46F68}" destId="{6B742745-CBAE-459D-B460-38B4B225DA54}" srcOrd="7" destOrd="0" presId="urn:microsoft.com/office/officeart/2009/layout/CirclePictureHierarchy"/>
-    <dgm:cxn modelId="{3C4E06D2-9DAE-4C94-9C32-EFFFDEF31BF6}" type="presParOf" srcId="{6B742745-CBAE-459D-B460-38B4B225DA54}" destId="{53E5CA17-5995-41ED-A765-CA397C987B71}" srcOrd="0" destOrd="0" presId="urn:microsoft.com/office/officeart/2009/layout/CirclePictureHierarchy"/>
-    <dgm:cxn modelId="{218697D1-BFC8-4D95-9F35-2E7279187C3C}" type="presParOf" srcId="{53E5CA17-5995-41ED-A765-CA397C987B71}" destId="{6F220F1A-0281-40CD-84B5-5485131C9951}" srcOrd="0" destOrd="0" presId="urn:microsoft.com/office/officeart/2009/layout/CirclePictureHierarchy"/>
-    <dgm:cxn modelId="{1BD4D261-D2D6-471F-A594-61B10DB2F610}" type="presParOf" srcId="{53E5CA17-5995-41ED-A765-CA397C987B71}" destId="{70A3C126-9865-458E-BDC9-FC04DD9169C7}" srcOrd="1" destOrd="0" presId="urn:microsoft.com/office/officeart/2009/layout/CirclePictureHierarchy"/>
-    <dgm:cxn modelId="{1515E5ED-6005-4C81-A43B-AB60AB798B26}" type="presParOf" srcId="{6B742745-CBAE-459D-B460-38B4B225DA54}" destId="{666DDAFF-A4F3-4070-BCF5-A10CF861D40A}" srcOrd="1" destOrd="0" presId="urn:microsoft.com/office/officeart/2009/layout/CirclePictureHierarchy"/>
   </dgm:cxnLst>
   <dgm:bg/>
   <dgm:whole/>
@@ -1365,15 +1203,15 @@
       <dsp:cNvGrpSpPr/>
     </dsp:nvGrpSpPr>
     <dsp:grpSpPr/>
-    <dsp:sp modelId="{DA66BDD0-8AB0-4572-8677-089429C3234B}">
+    <dsp:sp modelId="{F492C08E-6F55-48CE-8E8A-A59A7A90538D}">
       <dsp:nvSpPr>
         <dsp:cNvPr id="0" name=""/>
         <dsp:cNvSpPr/>
       </dsp:nvSpPr>
       <dsp:spPr>
         <a:xfrm>
-          <a:off x="4398900" y="2560823"/>
-          <a:ext cx="574167" cy="464492"/>
+          <a:off x="2458597" y="1918203"/>
+          <a:ext cx="807533" cy="657695"/>
         </a:xfrm>
         <a:custGeom>
           <a:avLst/>
@@ -1387,137 +1225,13 @@
                 <a:pt x="0" y="0"/>
               </a:moveTo>
               <a:lnTo>
-                <a:pt x="0" y="315982"/>
+                <a:pt x="0" y="452882"/>
               </a:lnTo>
               <a:lnTo>
-                <a:pt x="574167" y="315982"/>
+                <a:pt x="807533" y="452882"/>
               </a:lnTo>
               <a:lnTo>
-                <a:pt x="574167" y="464492"/>
-              </a:lnTo>
-            </a:path>
-          </a:pathLst>
-        </a:custGeom>
-        <a:noFill/>
-        <a:ln w="12700" cap="flat" cmpd="sng" algn="ctr">
-          <a:solidFill>
-            <a:schemeClr val="accent1">
-              <a:shade val="60000"/>
-              <a:hueOff val="0"/>
-              <a:satOff val="0"/>
-              <a:lumOff val="0"/>
-              <a:alphaOff val="0"/>
-            </a:schemeClr>
-          </a:solidFill>
-          <a:prstDash val="solid"/>
-          <a:miter lim="800000"/>
-        </a:ln>
-        <a:effectLst/>
-      </dsp:spPr>
-      <dsp:style>
-        <a:lnRef idx="2">
-          <a:scrgbClr r="0" g="0" b="0"/>
-        </a:lnRef>
-        <a:fillRef idx="0">
-          <a:scrgbClr r="0" g="0" b="0"/>
-        </a:fillRef>
-        <a:effectRef idx="0">
-          <a:scrgbClr r="0" g="0" b="0"/>
-        </a:effectRef>
-        <a:fontRef idx="minor"/>
-      </dsp:style>
-    </dsp:sp>
-    <dsp:sp modelId="{02B284B2-D7D1-459E-B1C6-5896D7448009}">
-      <dsp:nvSpPr>
-        <dsp:cNvPr id="0" name=""/>
-        <dsp:cNvSpPr/>
-      </dsp:nvSpPr>
-      <dsp:spPr>
-        <a:xfrm>
-          <a:off x="4398900" y="2560823"/>
-          <a:ext cx="1802197" cy="464502"/>
-        </a:xfrm>
-        <a:custGeom>
-          <a:avLst/>
-          <a:gdLst/>
-          <a:ahLst/>
-          <a:cxnLst/>
-          <a:rect l="0" t="0" r="0" b="0"/>
-          <a:pathLst>
-            <a:path>
-              <a:moveTo>
-                <a:pt x="0" y="0"/>
-              </a:moveTo>
-              <a:lnTo>
-                <a:pt x="0" y="315991"/>
-              </a:lnTo>
-              <a:lnTo>
-                <a:pt x="1802197" y="315991"/>
-              </a:lnTo>
-              <a:lnTo>
-                <a:pt x="1802197" y="464502"/>
-              </a:lnTo>
-            </a:path>
-          </a:pathLst>
-        </a:custGeom>
-        <a:noFill/>
-        <a:ln w="12700" cap="flat" cmpd="sng" algn="ctr">
-          <a:solidFill>
-            <a:schemeClr val="accent1">
-              <a:shade val="60000"/>
-              <a:hueOff val="0"/>
-              <a:satOff val="0"/>
-              <a:lumOff val="0"/>
-              <a:alphaOff val="0"/>
-            </a:schemeClr>
-          </a:solidFill>
-          <a:prstDash val="solid"/>
-          <a:miter lim="800000"/>
-        </a:ln>
-        <a:effectLst/>
-      </dsp:spPr>
-      <dsp:style>
-        <a:lnRef idx="2">
-          <a:scrgbClr r="0" g="0" b="0"/>
-        </a:lnRef>
-        <a:fillRef idx="0">
-          <a:scrgbClr r="0" g="0" b="0"/>
-        </a:fillRef>
-        <a:effectRef idx="0">
-          <a:scrgbClr r="0" g="0" b="0"/>
-        </a:effectRef>
-        <a:fontRef idx="minor"/>
-      </dsp:style>
-    </dsp:sp>
-    <dsp:sp modelId="{F492C08E-6F55-48CE-8E8A-A59A7A90538D}">
-      <dsp:nvSpPr>
-        <dsp:cNvPr id="0" name=""/>
-        <dsp:cNvSpPr/>
-      </dsp:nvSpPr>
-      <dsp:spPr>
-        <a:xfrm>
-          <a:off x="3790507" y="2560823"/>
-          <a:ext cx="608393" cy="464492"/>
-        </a:xfrm>
-        <a:custGeom>
-          <a:avLst/>
-          <a:gdLst/>
-          <a:ahLst/>
-          <a:cxnLst/>
-          <a:rect l="0" t="0" r="0" b="0"/>
-          <a:pathLst>
-            <a:path>
-              <a:moveTo>
-                <a:pt x="608393" y="0"/>
-              </a:moveTo>
-              <a:lnTo>
-                <a:pt x="608393" y="315982"/>
-              </a:lnTo>
-              <a:lnTo>
-                <a:pt x="0" y="315982"/>
-              </a:lnTo>
-              <a:lnTo>
-                <a:pt x="0" y="464492"/>
+                <a:pt x="807533" y="657695"/>
               </a:lnTo>
             </a:path>
           </a:pathLst>
@@ -1558,8 +1272,8 @@
       </dsp:nvSpPr>
       <dsp:spPr>
         <a:xfrm>
-          <a:off x="2577246" y="2560823"/>
-          <a:ext cx="1821653" cy="464112"/>
+          <a:off x="1635661" y="1918203"/>
+          <a:ext cx="822935" cy="658324"/>
         </a:xfrm>
         <a:custGeom>
           <a:avLst/>
@@ -1570,16 +1284,16 @@
           <a:pathLst>
             <a:path>
               <a:moveTo>
-                <a:pt x="1821653" y="0"/>
+                <a:pt x="822935" y="0"/>
               </a:moveTo>
               <a:lnTo>
-                <a:pt x="1821653" y="315602"/>
+                <a:pt x="822935" y="453511"/>
               </a:lnTo>
               <a:lnTo>
-                <a:pt x="0" y="315602"/>
+                <a:pt x="0" y="453511"/>
               </a:lnTo>
               <a:lnTo>
-                <a:pt x="0" y="464112"/>
+                <a:pt x="0" y="658324"/>
               </a:lnTo>
             </a:path>
           </a:pathLst>
@@ -1620,8 +1334,8 @@
       </dsp:nvSpPr>
       <dsp:spPr>
         <a:xfrm>
-          <a:off x="3923667" y="1610357"/>
-          <a:ext cx="950466" cy="950466"/>
+          <a:off x="1803195" y="607399"/>
+          <a:ext cx="1310803" cy="1310803"/>
         </a:xfrm>
         <a:prstGeom prst="rect">
           <a:avLst/>
@@ -1678,8 +1392,8 @@
       </dsp:nvSpPr>
       <dsp:spPr>
         <a:xfrm>
-          <a:off x="3986151" y="1646075"/>
-          <a:ext cx="1425699" cy="950466"/>
+          <a:off x="2074662" y="670986"/>
+          <a:ext cx="1966205" cy="1310803"/>
         </a:xfrm>
         <a:prstGeom prst="rect">
           <a:avLst/>
@@ -1721,14 +1435,59 @@
             <a:buNone/>
           </a:pPr>
           <a:r>
+            <a:rPr lang="de-DE" sz="1400" kern="1200" dirty="0" err="1"/>
+            <a:t>Turtlesim</a:t>
+          </a:r>
+          <a:r>
             <a:rPr lang="de-DE" sz="1400" kern="1200" dirty="0"/>
-            <a:t>Name des Workspace</a:t>
+            <a:t>_</a:t>
           </a:r>
+        </a:p>
+        <a:p>
+          <a:pPr marL="0" lvl="0" indent="0" algn="l" defTabSz="622300">
+            <a:lnSpc>
+              <a:spcPct val="90000"/>
+            </a:lnSpc>
+            <a:spcBef>
+              <a:spcPct val="0"/>
+            </a:spcBef>
+            <a:spcAft>
+              <a:spcPct val="35000"/>
+            </a:spcAft>
+            <a:buNone/>
+          </a:pPr>
+          <a:r>
+            <a:rPr lang="de-DE" sz="1400" kern="1200" dirty="0" err="1"/>
+            <a:t>gesture</a:t>
+          </a:r>
+          <a:r>
+            <a:rPr lang="de-DE" sz="1400" kern="1200" dirty="0"/>
+            <a:t>_</a:t>
+          </a:r>
+        </a:p>
+        <a:p>
+          <a:pPr marL="0" lvl="0" indent="0" algn="l" defTabSz="622300">
+            <a:lnSpc>
+              <a:spcPct val="90000"/>
+            </a:lnSpc>
+            <a:spcBef>
+              <a:spcPct val="0"/>
+            </a:spcBef>
+            <a:spcAft>
+              <a:spcPct val="35000"/>
+            </a:spcAft>
+            <a:buNone/>
+          </a:pPr>
+          <a:r>
+            <a:rPr lang="de-DE" sz="1400" kern="1200" dirty="0" err="1"/>
+            <a:t>control</a:t>
+          </a:r>
+          <a:endParaRPr lang="de-DE" sz="1400" kern="1200" dirty="0"/>
         </a:p>
       </dsp:txBody>
       <dsp:txXfrm>
-        <a:off x="3986151" y="1646075"/>
-        <a:ext cx="1425699" cy="950466"/>
+        <a:off x="2074662" y="670986"/>
+        <a:ext cx="1966205" cy="1310803"/>
       </dsp:txXfrm>
     </dsp:sp>
     <dsp:sp modelId="{F7221FBD-0817-48D1-B861-E7C9B5CCBD99}">
@@ -1738,8 +1497,8 @@
       </dsp:nvSpPr>
       <dsp:spPr>
         <a:xfrm>
-          <a:off x="2102013" y="3024935"/>
-          <a:ext cx="950466" cy="950466"/>
+          <a:off x="980259" y="2576528"/>
+          <a:ext cx="1310803" cy="1310803"/>
         </a:xfrm>
         <a:prstGeom prst="rect">
           <a:avLst/>
@@ -1796,8 +1555,8 @@
       </dsp:nvSpPr>
       <dsp:spPr>
         <a:xfrm>
-          <a:off x="2319038" y="3011020"/>
-          <a:ext cx="1425699" cy="950466"/>
+          <a:off x="1369214" y="2564744"/>
+          <a:ext cx="1966205" cy="1310803"/>
         </a:xfrm>
         <a:prstGeom prst="rect">
           <a:avLst/>
@@ -1846,8 +1605,8 @@
         </a:p>
       </dsp:txBody>
       <dsp:txXfrm>
-        <a:off x="2319038" y="3011020"/>
-        <a:ext cx="1425699" cy="950466"/>
+        <a:off x="1369214" y="2564744"/>
+        <a:ext cx="1966205" cy="1310803"/>
       </dsp:txXfrm>
     </dsp:sp>
     <dsp:sp modelId="{78A726ED-E62A-48BA-AC0A-088796F788D3}">
@@ -1857,8 +1616,8 @@
       </dsp:nvSpPr>
       <dsp:spPr>
         <a:xfrm>
-          <a:off x="3315274" y="3025315"/>
-          <a:ext cx="950466" cy="950466"/>
+          <a:off x="2610729" y="2575899"/>
+          <a:ext cx="1310803" cy="1310803"/>
         </a:xfrm>
         <a:prstGeom prst="rect">
           <a:avLst/>
@@ -1915,8 +1674,8 @@
       </dsp:nvSpPr>
       <dsp:spPr>
         <a:xfrm>
-          <a:off x="3387604" y="3011429"/>
-          <a:ext cx="1425699" cy="950466"/>
+          <a:off x="2767429" y="2582387"/>
+          <a:ext cx="1966205" cy="1310803"/>
         </a:xfrm>
         <a:prstGeom prst="rect">
           <a:avLst/>
@@ -1959,252 +1718,14 @@
           </a:pPr>
           <a:r>
             <a:rPr lang="de-DE" sz="2400" kern="1200" dirty="0" err="1"/>
-            <a:t>build</a:t>
+            <a:t>include</a:t>
           </a:r>
           <a:endParaRPr lang="de-DE" sz="2400" kern="1200" dirty="0"/>
         </a:p>
       </dsp:txBody>
       <dsp:txXfrm>
-        <a:off x="3387604" y="3011429"/>
-        <a:ext cx="1425699" cy="950466"/>
-      </dsp:txXfrm>
-    </dsp:sp>
-    <dsp:sp modelId="{59A53B9A-1D2B-4F57-A683-5695F6D757CA}">
-      <dsp:nvSpPr>
-        <dsp:cNvPr id="0" name=""/>
-        <dsp:cNvSpPr/>
-      </dsp:nvSpPr>
-      <dsp:spPr>
-        <a:xfrm>
-          <a:off x="5725865" y="3025325"/>
-          <a:ext cx="950466" cy="950466"/>
-        </a:xfrm>
-        <a:prstGeom prst="rect">
-          <a:avLst/>
-        </a:prstGeom>
-        <a:blipFill rotWithShape="1">
-          <a:blip xmlns:r="http://schemas.openxmlformats.org/officeDocument/2006/relationships" r:embed="rId1">
-            <a:extLst>
-              <a:ext uri="{28A0092B-C50C-407E-A947-70E740481C1C}">
-                <a14:useLocalDpi xmlns:a14="http://schemas.microsoft.com/office/drawing/2010/main" val="0"/>
-              </a:ext>
-              <a:ext uri="{837473B0-CC2E-450A-ABE3-18F120FF3D39}">
-                <a1611:picAttrSrcUrl xmlns:a1611="http://schemas.microsoft.com/office/drawing/2016/11/main" r:id="rId2"/>
-              </a:ext>
-            </a:extLst>
-          </a:blip>
-          <a:srcRect/>
-          <a:stretch>
-            <a:fillRect/>
-          </a:stretch>
-        </a:blipFill>
-        <a:ln w="12700" cap="flat" cmpd="sng" algn="ctr">
-          <a:solidFill>
-            <a:schemeClr val="lt1">
-              <a:hueOff val="0"/>
-              <a:satOff val="0"/>
-              <a:lumOff val="0"/>
-              <a:alphaOff val="0"/>
-            </a:schemeClr>
-          </a:solidFill>
-          <a:prstDash val="solid"/>
-          <a:miter lim="800000"/>
-        </a:ln>
-        <a:effectLst/>
-      </dsp:spPr>
-      <dsp:style>
-        <a:lnRef idx="2">
-          <a:scrgbClr r="0" g="0" b="0"/>
-        </a:lnRef>
-        <a:fillRef idx="1">
-          <a:scrgbClr r="0" g="0" b="0"/>
-        </a:fillRef>
-        <a:effectRef idx="0">
-          <a:scrgbClr r="0" g="0" b="0"/>
-        </a:effectRef>
-        <a:fontRef idx="minor">
-          <a:schemeClr val="lt1"/>
-        </a:fontRef>
-      </dsp:style>
-    </dsp:sp>
-    <dsp:sp modelId="{F0D57797-9423-4466-9ECB-B18E1D2BB3F0}">
-      <dsp:nvSpPr>
-        <dsp:cNvPr id="0" name=""/>
-        <dsp:cNvSpPr/>
-      </dsp:nvSpPr>
-      <dsp:spPr>
-        <a:xfrm>
-          <a:off x="5791195" y="3036027"/>
-          <a:ext cx="1425699" cy="950466"/>
-        </a:xfrm>
-        <a:prstGeom prst="rect">
-          <a:avLst/>
-        </a:prstGeom>
-        <a:noFill/>
-        <a:ln>
-          <a:noFill/>
-        </a:ln>
-        <a:effectLst/>
-      </dsp:spPr>
-      <dsp:style>
-        <a:lnRef idx="0">
-          <a:scrgbClr r="0" g="0" b="0"/>
-        </a:lnRef>
-        <a:fillRef idx="0">
-          <a:scrgbClr r="0" g="0" b="0"/>
-        </a:fillRef>
-        <a:effectRef idx="0">
-          <a:scrgbClr r="0" g="0" b="0"/>
-        </a:effectRef>
-        <a:fontRef idx="minor"/>
-      </dsp:style>
-      <dsp:txBody>
-        <a:bodyPr spcFirstLastPara="0" vert="horz" wrap="square" lIns="91440" tIns="91440" rIns="91440" bIns="91440" numCol="1" spcCol="1270" anchor="ctr" anchorCtr="0">
-          <a:noAutofit/>
-        </a:bodyPr>
-        <a:lstStyle/>
-        <a:p>
-          <a:pPr marL="0" lvl="0" indent="0" algn="l" defTabSz="1066800">
-            <a:lnSpc>
-              <a:spcPct val="90000"/>
-            </a:lnSpc>
-            <a:spcBef>
-              <a:spcPct val="0"/>
-            </a:spcBef>
-            <a:spcAft>
-              <a:spcPct val="35000"/>
-            </a:spcAft>
-            <a:buNone/>
-          </a:pPr>
-          <a:r>
-            <a:rPr lang="de-DE" sz="2400" kern="1200" dirty="0" err="1"/>
-            <a:t>devel</a:t>
-          </a:r>
-          <a:endParaRPr lang="de-DE" sz="2400" kern="1200" dirty="0"/>
-        </a:p>
-      </dsp:txBody>
-      <dsp:txXfrm>
-        <a:off x="5791195" y="3036027"/>
-        <a:ext cx="1425699" cy="950466"/>
-      </dsp:txXfrm>
-    </dsp:sp>
-    <dsp:sp modelId="{6F220F1A-0281-40CD-84B5-5485131C9951}">
-      <dsp:nvSpPr>
-        <dsp:cNvPr id="0" name=""/>
-        <dsp:cNvSpPr/>
-      </dsp:nvSpPr>
-      <dsp:spPr>
-        <a:xfrm>
-          <a:off x="4497834" y="3025315"/>
-          <a:ext cx="950466" cy="950466"/>
-        </a:xfrm>
-        <a:prstGeom prst="rect">
-          <a:avLst/>
-        </a:prstGeom>
-        <a:blipFill rotWithShape="1">
-          <a:blip xmlns:r="http://schemas.openxmlformats.org/officeDocument/2006/relationships" r:embed="rId1">
-            <a:extLst>
-              <a:ext uri="{28A0092B-C50C-407E-A947-70E740481C1C}">
-                <a14:useLocalDpi xmlns:a14="http://schemas.microsoft.com/office/drawing/2010/main" val="0"/>
-              </a:ext>
-              <a:ext uri="{837473B0-CC2E-450A-ABE3-18F120FF3D39}">
-                <a1611:picAttrSrcUrl xmlns:a1611="http://schemas.microsoft.com/office/drawing/2016/11/main" r:id="rId2"/>
-              </a:ext>
-            </a:extLst>
-          </a:blip>
-          <a:srcRect/>
-          <a:stretch>
-            <a:fillRect/>
-          </a:stretch>
-        </a:blipFill>
-        <a:ln w="12700" cap="flat" cmpd="sng" algn="ctr">
-          <a:solidFill>
-            <a:schemeClr val="lt1">
-              <a:hueOff val="0"/>
-              <a:satOff val="0"/>
-              <a:lumOff val="0"/>
-              <a:alphaOff val="0"/>
-            </a:schemeClr>
-          </a:solidFill>
-          <a:prstDash val="solid"/>
-          <a:miter lim="800000"/>
-        </a:ln>
-        <a:effectLst/>
-      </dsp:spPr>
-      <dsp:style>
-        <a:lnRef idx="2">
-          <a:scrgbClr r="0" g="0" b="0"/>
-        </a:lnRef>
-        <a:fillRef idx="1">
-          <a:scrgbClr r="0" g="0" b="0"/>
-        </a:fillRef>
-        <a:effectRef idx="0">
-          <a:scrgbClr r="0" g="0" b="0"/>
-        </a:effectRef>
-        <a:fontRef idx="minor">
-          <a:schemeClr val="lt1"/>
-        </a:fontRef>
-      </dsp:style>
-    </dsp:sp>
-    <dsp:sp modelId="{70A3C126-9865-458E-BDC9-FC04DD9169C7}">
-      <dsp:nvSpPr>
-        <dsp:cNvPr id="0" name=""/>
-        <dsp:cNvSpPr/>
-      </dsp:nvSpPr>
-      <dsp:spPr>
-        <a:xfrm>
-          <a:off x="4534403" y="3022939"/>
-          <a:ext cx="1425699" cy="950466"/>
-        </a:xfrm>
-        <a:prstGeom prst="rect">
-          <a:avLst/>
-        </a:prstGeom>
-        <a:noFill/>
-        <a:ln>
-          <a:noFill/>
-        </a:ln>
-        <a:effectLst/>
-      </dsp:spPr>
-      <dsp:style>
-        <a:lnRef idx="0">
-          <a:scrgbClr r="0" g="0" b="0"/>
-        </a:lnRef>
-        <a:fillRef idx="0">
-          <a:scrgbClr r="0" g="0" b="0"/>
-        </a:fillRef>
-        <a:effectRef idx="0">
-          <a:scrgbClr r="0" g="0" b="0"/>
-        </a:effectRef>
-        <a:fontRef idx="minor"/>
-      </dsp:style>
-      <dsp:txBody>
-        <a:bodyPr spcFirstLastPara="0" vert="horz" wrap="square" lIns="91440" tIns="91440" rIns="91440" bIns="91440" numCol="1" spcCol="1270" anchor="ctr" anchorCtr="0">
-          <a:noAutofit/>
-        </a:bodyPr>
-        <a:lstStyle/>
-        <a:p>
-          <a:pPr marL="0" lvl="0" indent="0" algn="l" defTabSz="1066800">
-            <a:lnSpc>
-              <a:spcPct val="90000"/>
-            </a:lnSpc>
-            <a:spcBef>
-              <a:spcPct val="0"/>
-            </a:spcBef>
-            <a:spcAft>
-              <a:spcPct val="35000"/>
-            </a:spcAft>
-            <a:buNone/>
-          </a:pPr>
-          <a:r>
-            <a:rPr lang="de-DE" sz="2400" kern="1200" dirty="0" err="1"/>
-            <a:t>install</a:t>
-          </a:r>
-          <a:endParaRPr lang="de-DE" sz="2400" kern="1200" dirty="0"/>
-        </a:p>
-      </dsp:txBody>
-      <dsp:txXfrm>
-        <a:off x="4534403" y="3022939"/>
-        <a:ext cx="1425699" cy="950466"/>
+        <a:off x="2767429" y="2582387"/>
+        <a:ext cx="1966205" cy="1310803"/>
       </dsp:txXfrm>
     </dsp:sp>
   </dsp:spTree>
@@ -3953,7 +3474,7 @@
           <a:p>
             <a:fld id="{845E220D-69D1-4C06-8655-E0A14D34C52A}" type="datetimeFigureOut">
               <a:rPr lang="de-DE" smtClean="0"/>
-              <a:t>07.06.2019</a:t>
+              <a:t>16.06.2019</a:t>
             </a:fld>
             <a:endParaRPr lang="de-DE"/>
           </a:p>
@@ -4151,7 +3672,7 @@
           <a:p>
             <a:fld id="{845E220D-69D1-4C06-8655-E0A14D34C52A}" type="datetimeFigureOut">
               <a:rPr lang="de-DE" smtClean="0"/>
-              <a:t>07.06.2019</a:t>
+              <a:t>16.06.2019</a:t>
             </a:fld>
             <a:endParaRPr lang="de-DE"/>
           </a:p>
@@ -4359,7 +3880,7 @@
           <a:p>
             <a:fld id="{845E220D-69D1-4C06-8655-E0A14D34C52A}" type="datetimeFigureOut">
               <a:rPr lang="de-DE" smtClean="0"/>
-              <a:t>07.06.2019</a:t>
+              <a:t>16.06.2019</a:t>
             </a:fld>
             <a:endParaRPr lang="de-DE"/>
           </a:p>
@@ -4557,7 +4078,7 @@
           <a:p>
             <a:fld id="{845E220D-69D1-4C06-8655-E0A14D34C52A}" type="datetimeFigureOut">
               <a:rPr lang="de-DE" smtClean="0"/>
-              <a:t>07.06.2019</a:t>
+              <a:t>16.06.2019</a:t>
             </a:fld>
             <a:endParaRPr lang="de-DE"/>
           </a:p>
@@ -4832,7 +4353,7 @@
           <a:p>
             <a:fld id="{845E220D-69D1-4C06-8655-E0A14D34C52A}" type="datetimeFigureOut">
               <a:rPr lang="de-DE" smtClean="0"/>
-              <a:t>07.06.2019</a:t>
+              <a:t>16.06.2019</a:t>
             </a:fld>
             <a:endParaRPr lang="de-DE"/>
           </a:p>
@@ -5097,7 +4618,7 @@
           <a:p>
             <a:fld id="{845E220D-69D1-4C06-8655-E0A14D34C52A}" type="datetimeFigureOut">
               <a:rPr lang="de-DE" smtClean="0"/>
-              <a:t>07.06.2019</a:t>
+              <a:t>16.06.2019</a:t>
             </a:fld>
             <a:endParaRPr lang="de-DE"/>
           </a:p>
@@ -5509,7 +5030,7 @@
           <a:p>
             <a:fld id="{845E220D-69D1-4C06-8655-E0A14D34C52A}" type="datetimeFigureOut">
               <a:rPr lang="de-DE" smtClean="0"/>
-              <a:t>07.06.2019</a:t>
+              <a:t>16.06.2019</a:t>
             </a:fld>
             <a:endParaRPr lang="de-DE"/>
           </a:p>
@@ -5650,7 +5171,7 @@
           <a:p>
             <a:fld id="{845E220D-69D1-4C06-8655-E0A14D34C52A}" type="datetimeFigureOut">
               <a:rPr lang="de-DE" smtClean="0"/>
-              <a:t>07.06.2019</a:t>
+              <a:t>16.06.2019</a:t>
             </a:fld>
             <a:endParaRPr lang="de-DE"/>
           </a:p>
@@ -5763,7 +5284,7 @@
           <a:p>
             <a:fld id="{845E220D-69D1-4C06-8655-E0A14D34C52A}" type="datetimeFigureOut">
               <a:rPr lang="de-DE" smtClean="0"/>
-              <a:t>07.06.2019</a:t>
+              <a:t>16.06.2019</a:t>
             </a:fld>
             <a:endParaRPr lang="de-DE"/>
           </a:p>
@@ -6074,7 +5595,7 @@
           <a:p>
             <a:fld id="{845E220D-69D1-4C06-8655-E0A14D34C52A}" type="datetimeFigureOut">
               <a:rPr lang="de-DE" smtClean="0"/>
-              <a:t>07.06.2019</a:t>
+              <a:t>16.06.2019</a:t>
             </a:fld>
             <a:endParaRPr lang="de-DE"/>
           </a:p>
@@ -6362,7 +5883,7 @@
           <a:p>
             <a:fld id="{845E220D-69D1-4C06-8655-E0A14D34C52A}" type="datetimeFigureOut">
               <a:rPr lang="de-DE" smtClean="0"/>
-              <a:t>07.06.2019</a:t>
+              <a:t>16.06.2019</a:t>
             </a:fld>
             <a:endParaRPr lang="de-DE"/>
           </a:p>
@@ -6603,7 +6124,7 @@
           <a:p>
             <a:fld id="{845E220D-69D1-4C06-8655-E0A14D34C52A}" type="datetimeFigureOut">
               <a:rPr lang="de-DE" smtClean="0"/>
-              <a:t>07.06.2019</a:t>
+              <a:t>16.06.2019</a:t>
             </a:fld>
             <a:endParaRPr lang="de-DE"/>
           </a:p>
@@ -7033,14 +6554,14 @@
           <p:nvPr>
             <p:extLst>
               <p:ext uri="{D42A27DB-BD31-4B8C-83A1-F6EECF244321}">
-                <p14:modId xmlns:p14="http://schemas.microsoft.com/office/powerpoint/2010/main" val="823304963"/>
+                <p14:modId xmlns:p14="http://schemas.microsoft.com/office/powerpoint/2010/main" val="1566632219"/>
               </p:ext>
             </p:extLst>
           </p:nvPr>
         </p:nvGraphicFramePr>
         <p:xfrm>
-          <a:off x="1397000" y="719666"/>
-          <a:ext cx="10223500" cy="5418667"/>
+          <a:off x="1397000" y="719667"/>
+          <a:ext cx="6883400" cy="4246033"/>
         </p:xfrm>
         <a:graphic>
           <a:graphicData uri="http://schemas.openxmlformats.org/drawingml/2006/diagram">
